--- a/analysis/display.pptx
+++ b/analysis/display.pptx
@@ -7,10 +7,11 @@
   <p:sldIdLst>
     <p:sldId id="260" r:id="rId3"/>
     <p:sldId id="258" r:id="rId4"/>
-    <p:sldId id="259" r:id="rId5"/>
-    <p:sldId id="263" r:id="rId6"/>
-    <p:sldId id="261" r:id="rId7"/>
-    <p:sldId id="265" r:id="rId8"/>
+    <p:sldId id="266" r:id="rId5"/>
+    <p:sldId id="259" r:id="rId6"/>
+    <p:sldId id="263" r:id="rId7"/>
+    <p:sldId id="261" r:id="rId8"/>
+    <p:sldId id="265" r:id="rId9"/>
   </p:sldIdLst>
   <p:sldSz cx="12192000" cy="6858000"/>
   <p:notesSz cx="6858000" cy="9144000"/>
@@ -22488,6 +22489,2054 @@
         <p:nvPr/>
       </p:nvGrpSpPr>
       <p:grpSpPr/>
+      <p:sp>
+        <p:nvSpPr>
+          <p:cNvPr id="8" name="文本框 7"/>
+          <p:cNvSpPr txBox="1"/>
+          <p:nvPr/>
+        </p:nvSpPr>
+        <p:spPr>
+          <a:xfrm>
+            <a:off x="765810" y="1663700"/>
+            <a:ext cx="912495" cy="368300"/>
+          </a:xfrm>
+          <a:prstGeom prst="rect">
+            <a:avLst/>
+          </a:prstGeom>
+          <a:noFill/>
+        </p:spPr>
+        <p:txBody>
+          <a:bodyPr wrap="square" rtlCol="0">
+            <a:spAutoFit/>
+          </a:bodyPr>
+          <a:p>
+            <a:r>
+              <a:rPr lang="zh-CN" altLang="en-US"/>
+              <a:t>粗网格</a:t>
+            </a:r>
+            <a:endParaRPr lang="zh-CN" altLang="en-US"/>
+          </a:p>
+        </p:txBody>
+      </p:sp>
+      <p:sp>
+        <p:nvSpPr>
+          <p:cNvPr id="9" name="矩形 8"/>
+          <p:cNvSpPr/>
+          <p:nvPr/>
+        </p:nvSpPr>
+        <p:spPr>
+          <a:xfrm>
+            <a:off x="2009775" y="78105"/>
+            <a:ext cx="8149590" cy="3461385"/>
+          </a:xfrm>
+          <a:prstGeom prst="rect">
+            <a:avLst/>
+          </a:prstGeom>
+          <a:ln w="25400">
+            <a:solidFill>
+              <a:schemeClr val="tx1"/>
+            </a:solidFill>
+          </a:ln>
+        </p:spPr>
+        <p:style>
+          <a:lnRef idx="2">
+            <a:schemeClr val="accent1"/>
+          </a:lnRef>
+          <a:fillRef idx="0">
+            <a:srgbClr val="FFFFFF"/>
+          </a:fillRef>
+          <a:effectRef idx="0">
+            <a:srgbClr val="FFFFFF"/>
+          </a:effectRef>
+          <a:fontRef idx="minor">
+            <a:schemeClr val="tx1"/>
+          </a:fontRef>
+        </p:style>
+        <p:txBody>
+          <a:bodyPr rtlCol="0" anchor="ctr"/>
+          <a:p>
+            <a:pPr algn="ctr"/>
+            <a:endParaRPr lang="zh-CN" altLang="en-US"/>
+          </a:p>
+        </p:txBody>
+      </p:sp>
+      <p:pic>
+        <p:nvPicPr>
+          <p:cNvPr id="16" name="图片 15"/>
+          <p:cNvPicPr>
+            <a:picLocks noChangeAspect="1"/>
+          </p:cNvPicPr>
+          <p:nvPr/>
+        </p:nvPicPr>
+        <p:blipFill>
+          <a:blip r:embed="rId1"/>
+          <a:stretch>
+            <a:fillRect/>
+          </a:stretch>
+        </p:blipFill>
+        <p:spPr>
+          <a:xfrm>
+            <a:off x="2608580" y="194310"/>
+            <a:ext cx="1605915" cy="1929130"/>
+          </a:xfrm>
+          <a:prstGeom prst="rect">
+            <a:avLst/>
+          </a:prstGeom>
+          <a:ln w="12700">
+            <a:solidFill>
+              <a:schemeClr val="accent1"/>
+            </a:solidFill>
+          </a:ln>
+        </p:spPr>
+      </p:pic>
+      <p:pic>
+        <p:nvPicPr>
+          <p:cNvPr id="18" name="图片 17"/>
+          <p:cNvPicPr>
+            <a:picLocks noChangeAspect="1"/>
+          </p:cNvPicPr>
+          <p:nvPr/>
+        </p:nvPicPr>
+        <p:blipFill>
+          <a:blip r:embed="rId2"/>
+          <a:stretch>
+            <a:fillRect/>
+          </a:stretch>
+        </p:blipFill>
+        <p:spPr>
+          <a:xfrm>
+            <a:off x="4865370" y="194310"/>
+            <a:ext cx="1605915" cy="2948305"/>
+          </a:xfrm>
+          <a:prstGeom prst="rect">
+            <a:avLst/>
+          </a:prstGeom>
+          <a:ln w="12700">
+            <a:solidFill>
+              <a:schemeClr val="accent1"/>
+            </a:solidFill>
+          </a:ln>
+        </p:spPr>
+      </p:pic>
+      <p:pic>
+        <p:nvPicPr>
+          <p:cNvPr id="19" name="图片 18"/>
+          <p:cNvPicPr>
+            <a:picLocks noChangeAspect="1"/>
+          </p:cNvPicPr>
+          <p:nvPr/>
+        </p:nvPicPr>
+        <p:blipFill>
+          <a:blip r:embed="rId3"/>
+          <a:stretch>
+            <a:fillRect/>
+          </a:stretch>
+        </p:blipFill>
+        <p:spPr>
+          <a:xfrm>
+            <a:off x="7395845" y="194310"/>
+            <a:ext cx="1605915" cy="1997075"/>
+          </a:xfrm>
+          <a:prstGeom prst="rect">
+            <a:avLst/>
+          </a:prstGeom>
+          <a:ln w="12700">
+            <a:solidFill>
+              <a:schemeClr val="accent1"/>
+            </a:solidFill>
+          </a:ln>
+        </p:spPr>
+      </p:pic>
+      <p:pic>
+        <p:nvPicPr>
+          <p:cNvPr id="20" name="图片 19"/>
+          <p:cNvPicPr>
+            <a:picLocks noChangeAspect="1"/>
+          </p:cNvPicPr>
+          <p:nvPr/>
+        </p:nvPicPr>
+        <p:blipFill>
+          <a:blip r:embed="rId4"/>
+          <a:stretch>
+            <a:fillRect/>
+          </a:stretch>
+        </p:blipFill>
+        <p:spPr>
+          <a:xfrm>
+            <a:off x="7395845" y="4584065"/>
+            <a:ext cx="1605915" cy="1997075"/>
+          </a:xfrm>
+          <a:prstGeom prst="rect">
+            <a:avLst/>
+          </a:prstGeom>
+          <a:ln w="12700">
+            <a:solidFill>
+              <a:schemeClr val="accent1"/>
+            </a:solidFill>
+          </a:ln>
+        </p:spPr>
+      </p:pic>
+      <p:pic>
+        <p:nvPicPr>
+          <p:cNvPr id="22" name="图片 21"/>
+          <p:cNvPicPr>
+            <a:picLocks noChangeAspect="1"/>
+          </p:cNvPicPr>
+          <p:nvPr/>
+        </p:nvPicPr>
+        <p:blipFill>
+          <a:blip r:embed="rId5"/>
+          <a:stretch>
+            <a:fillRect/>
+          </a:stretch>
+        </p:blipFill>
+        <p:spPr>
+          <a:xfrm>
+            <a:off x="2629535" y="4584065"/>
+            <a:ext cx="1605915" cy="1853565"/>
+          </a:xfrm>
+          <a:prstGeom prst="rect">
+            <a:avLst/>
+          </a:prstGeom>
+          <a:ln w="12700">
+            <a:solidFill>
+              <a:srgbClr val="FF0000"/>
+            </a:solidFill>
+          </a:ln>
+        </p:spPr>
+      </p:pic>
+      <p:sp>
+        <p:nvSpPr>
+          <p:cNvPr id="23" name="矩形 22"/>
+          <p:cNvSpPr/>
+          <p:nvPr/>
+        </p:nvSpPr>
+        <p:spPr>
+          <a:xfrm>
+            <a:off x="2009140" y="4135755"/>
+            <a:ext cx="8150225" cy="2634615"/>
+          </a:xfrm>
+          <a:prstGeom prst="rect">
+            <a:avLst/>
+          </a:prstGeom>
+          <a:ln w="25400">
+            <a:solidFill>
+              <a:schemeClr val="tx1"/>
+            </a:solidFill>
+          </a:ln>
+        </p:spPr>
+        <p:style>
+          <a:lnRef idx="2">
+            <a:schemeClr val="accent1"/>
+          </a:lnRef>
+          <a:fillRef idx="0">
+            <a:srgbClr val="FFFFFF"/>
+          </a:fillRef>
+          <a:effectRef idx="0">
+            <a:srgbClr val="FFFFFF"/>
+          </a:effectRef>
+          <a:fontRef idx="minor">
+            <a:schemeClr val="tx1"/>
+          </a:fontRef>
+        </p:style>
+        <p:txBody>
+          <a:bodyPr rtlCol="0" anchor="ctr"/>
+          <a:p>
+            <a:pPr algn="ctr"/>
+            <a:endParaRPr lang="zh-CN" altLang="en-US"/>
+          </a:p>
+        </p:txBody>
+      </p:sp>
+      <mc:AlternateContent xmlns:mc="http://schemas.openxmlformats.org/markup-compatibility/2006">
+        <mc:Choice xmlns:a14="http://schemas.microsoft.com/office/drawing/2010/main" Requires="a14">
+          <p:sp>
+            <p:nvSpPr>
+              <p:cNvPr id="26" name="文本框 25"/>
+              <p:cNvSpPr txBox="1"/>
+              <p:nvPr/>
+            </p:nvSpPr>
+            <p:spPr>
+              <a:xfrm>
+                <a:off x="2407920" y="2720340"/>
+                <a:ext cx="2291080" cy="299720"/>
+              </a:xfrm>
+              <a:prstGeom prst="rect">
+                <a:avLst/>
+              </a:prstGeom>
+              <a:noFill/>
+              <a:ln>
+                <a:solidFill>
+                  <a:schemeClr val="accent1"/>
+                </a:solidFill>
+              </a:ln>
+            </p:spPr>
+            <p:txBody>
+              <a:bodyPr wrap="square" rtlCol="0">
+                <a:spAutoFit/>
+              </a:bodyPr>
+              <a:p>
+                <a14:m>
+                  <m:oMathPara xmlns:m="http://schemas.openxmlformats.org/officeDocument/2006/math">
+                    <m:oMathParaPr>
+                      <m:jc m:val="centerGroup"/>
+                    </m:oMathParaPr>
+                    <m:oMath xmlns:m="http://schemas.openxmlformats.org/officeDocument/2006/math">
+                      <m:sSub>
+                        <m:sSubPr>
+                          <m:ctrlPr>
+                            <a:rPr lang="en-US" altLang="zh-CN" sz="1400" i="1">
+                              <a:latin typeface="Cambria Math" panose="02040503050406030204" charset="0"/>
+                              <a:cs typeface="Cambria Math" panose="02040503050406030204" charset="0"/>
+                            </a:rPr>
+                          </m:ctrlPr>
+                        </m:sSubPr>
+                        <m:e>
+                          <m:r>
+                            <a:rPr lang="en-US" altLang="zh-CN" sz="1400" i="1">
+                              <a:latin typeface="Cambria Math" panose="02040503050406030204" charset="0"/>
+                              <a:cs typeface="Cambria Math" panose="02040503050406030204" charset="0"/>
+                            </a:rPr>
+                            <m:t>𝑠</m:t>
+                          </m:r>
+                        </m:e>
+                        <m:sub>
+                          <m:r>
+                            <a:rPr lang="en-US" altLang="zh-CN" sz="1400" i="1">
+                              <a:latin typeface="Cambria Math" panose="02040503050406030204" charset="0"/>
+                              <a:cs typeface="Cambria Math" panose="02040503050406030204" charset="0"/>
+                            </a:rPr>
+                            <m:t>𝑡</m:t>
+                          </m:r>
+                        </m:sub>
+                      </m:sSub>
+                      <m:r>
+                        <a:rPr lang="en-US" altLang="zh-CN" sz="1400" i="1">
+                          <a:latin typeface="Cambria Math" panose="02040503050406030204" charset="0"/>
+                          <a:cs typeface="Cambria Math" panose="02040503050406030204" charset="0"/>
+                        </a:rPr>
+                        <m:t>=</m:t>
+                      </m:r>
+                      <m:sSub>
+                        <m:sSubPr>
+                          <m:ctrlPr>
+                            <a:rPr lang="en-US" altLang="zh-CN" sz="1400" i="1">
+                              <a:latin typeface="Cambria Math" panose="02040503050406030204" charset="0"/>
+                              <a:cs typeface="Cambria Math" panose="02040503050406030204" charset="0"/>
+                            </a:rPr>
+                          </m:ctrlPr>
+                        </m:sSubPr>
+                        <m:e>
+                          <m:r>
+                            <a:rPr lang="en-US" altLang="zh-CN" sz="1400" i="1">
+                              <a:latin typeface="Cambria Math" panose="02040503050406030204" charset="0"/>
+                              <a:cs typeface="Cambria Math" panose="02040503050406030204" charset="0"/>
+                            </a:rPr>
+                            <m:t>𝑞</m:t>
+                          </m:r>
+                        </m:e>
+                        <m:sub>
+                          <m:r>
+                            <a:rPr lang="en-US" altLang="zh-CN" sz="1400" i="1">
+                              <a:latin typeface="Cambria Math" panose="02040503050406030204" charset="0"/>
+                              <a:cs typeface="Cambria Math" panose="02040503050406030204" charset="0"/>
+                            </a:rPr>
+                            <m:t>𝑡</m:t>
+                          </m:r>
+                        </m:sub>
+                      </m:sSub>
+                      <m:r>
+                        <a:rPr lang="en-US" altLang="zh-CN" sz="1400" i="1">
+                          <a:latin typeface="Cambria Math" panose="02040503050406030204" charset="0"/>
+                          <a:cs typeface="Cambria Math" panose="02040503050406030204" charset="0"/>
+                        </a:rPr>
+                        <m:t>+</m:t>
+                      </m:r>
+                      <m:r>
+                        <a:rPr lang="en-US" altLang="zh-CN" sz="1400" i="1">
+                          <a:latin typeface="Cambria Math" panose="02040503050406030204" charset="0"/>
+                          <a:cs typeface="Cambria Math" panose="02040503050406030204" charset="0"/>
+                        </a:rPr>
+                        <m:t>ℎ</m:t>
+                      </m:r>
+                      <m:sSub>
+                        <m:sSubPr>
+                          <m:ctrlPr>
+                            <a:rPr lang="en-US" altLang="zh-CN" sz="1400" i="1">
+                              <a:latin typeface="Cambria Math" panose="02040503050406030204" charset="0"/>
+                              <a:cs typeface="Cambria Math" panose="02040503050406030204" charset="0"/>
+                            </a:rPr>
+                          </m:ctrlPr>
+                        </m:sSubPr>
+                        <m:e>
+                          <m:r>
+                            <a:rPr lang="en-US" altLang="zh-CN" sz="1400" i="1">
+                              <a:latin typeface="Cambria Math" panose="02040503050406030204" charset="0"/>
+                              <a:cs typeface="Cambria Math" panose="02040503050406030204" charset="0"/>
+                            </a:rPr>
+                            <m:t>𝑣</m:t>
+                          </m:r>
+                        </m:e>
+                        <m:sub>
+                          <m:r>
+                            <a:rPr lang="en-US" altLang="zh-CN" sz="1400" i="1">
+                              <a:latin typeface="Cambria Math" panose="02040503050406030204" charset="0"/>
+                              <a:cs typeface="Cambria Math" panose="02040503050406030204" charset="0"/>
+                            </a:rPr>
+                            <m:t>𝑡</m:t>
+                          </m:r>
+                        </m:sub>
+                      </m:sSub>
+                      <m:r>
+                        <a:rPr lang="en-US" altLang="zh-CN" sz="1400" i="1">
+                          <a:latin typeface="Cambria Math" panose="02040503050406030204" charset="0"/>
+                          <a:cs typeface="Cambria Math" panose="02040503050406030204" charset="0"/>
+                        </a:rPr>
+                        <m:t>+</m:t>
+                      </m:r>
+                      <m:sSup>
+                        <m:sSupPr>
+                          <m:ctrlPr>
+                            <a:rPr lang="en-US" altLang="zh-CN" sz="1400" i="1">
+                              <a:latin typeface="Cambria Math" panose="02040503050406030204" charset="0"/>
+                              <a:cs typeface="Cambria Math" panose="02040503050406030204" charset="0"/>
+                            </a:rPr>
+                          </m:ctrlPr>
+                        </m:sSupPr>
+                        <m:e>
+                          <m:r>
+                            <a:rPr lang="en-US" altLang="zh-CN" sz="1400" i="1">
+                              <a:latin typeface="Cambria Math" panose="02040503050406030204" charset="0"/>
+                              <a:cs typeface="Cambria Math" panose="02040503050406030204" charset="0"/>
+                            </a:rPr>
+                            <m:t>ℎ</m:t>
+                          </m:r>
+                        </m:e>
+                        <m:sup>
+                          <m:r>
+                            <a:rPr lang="en-US" altLang="zh-CN" sz="1400" i="1">
+                              <a:latin typeface="Cambria Math" panose="02040503050406030204" charset="0"/>
+                              <a:cs typeface="Cambria Math" panose="02040503050406030204" charset="0"/>
+                            </a:rPr>
+                            <m:t>2</m:t>
+                          </m:r>
+                        </m:sup>
+                      </m:sSup>
+                      <m:sSup>
+                        <m:sSupPr>
+                          <m:ctrlPr>
+                            <a:rPr lang="en-US" altLang="zh-CN" sz="1400" i="1">
+                              <a:latin typeface="Cambria Math" panose="02040503050406030204" charset="0"/>
+                              <a:cs typeface="Cambria Math" panose="02040503050406030204" charset="0"/>
+                            </a:rPr>
+                          </m:ctrlPr>
+                        </m:sSupPr>
+                        <m:e>
+                          <m:r>
+                            <a:rPr lang="en-US" altLang="zh-CN" sz="1400" i="1">
+                              <a:latin typeface="Cambria Math" panose="02040503050406030204" charset="0"/>
+                              <a:cs typeface="Cambria Math" panose="02040503050406030204" charset="0"/>
+                            </a:rPr>
+                            <m:t>𝑀</m:t>
+                          </m:r>
+                        </m:e>
+                        <m:sup>
+                          <m:r>
+                            <a:rPr lang="en-US" altLang="zh-CN" sz="1400" i="1">
+                              <a:latin typeface="Cambria Math" panose="02040503050406030204" charset="0"/>
+                              <a:cs typeface="Cambria Math" panose="02040503050406030204" charset="0"/>
+                            </a:rPr>
+                            <m:t>−</m:t>
+                          </m:r>
+                          <m:r>
+                            <a:rPr lang="en-US" altLang="zh-CN" sz="1400" i="1">
+                              <a:latin typeface="Cambria Math" panose="02040503050406030204" charset="0"/>
+                              <a:cs typeface="Cambria Math" panose="02040503050406030204" charset="0"/>
+                            </a:rPr>
+                            <m:t>1</m:t>
+                          </m:r>
+                        </m:sup>
+                      </m:sSup>
+                      <m:sSub>
+                        <m:sSubPr>
+                          <m:ctrlPr>
+                            <a:rPr lang="en-US" altLang="zh-CN" sz="1400" i="1">
+                              <a:latin typeface="Cambria Math" panose="02040503050406030204" charset="0"/>
+                              <a:cs typeface="Cambria Math" panose="02040503050406030204" charset="0"/>
+                            </a:rPr>
+                          </m:ctrlPr>
+                        </m:sSubPr>
+                        <m:e>
+                          <m:r>
+                            <a:rPr lang="en-US" altLang="zh-CN" sz="1400" i="1">
+                              <a:latin typeface="Cambria Math" panose="02040503050406030204" charset="0"/>
+                              <a:cs typeface="Cambria Math" panose="02040503050406030204" charset="0"/>
+                            </a:rPr>
+                            <m:t>𝑓</m:t>
+                          </m:r>
+                        </m:e>
+                        <m:sub>
+                          <m:r>
+                            <a:rPr lang="en-US" altLang="zh-CN" sz="1400" i="1">
+                              <a:latin typeface="Cambria Math" panose="02040503050406030204" charset="0"/>
+                              <a:cs typeface="Cambria Math" panose="02040503050406030204" charset="0"/>
+                            </a:rPr>
+                            <m:t>𝑒𝑥𝑡</m:t>
+                          </m:r>
+                        </m:sub>
+                      </m:sSub>
+                    </m:oMath>
+                  </m:oMathPara>
+                </a14:m>
+                <a:endParaRPr lang="en-US" altLang="zh-CN" sz="1400" i="1">
+                  <a:latin typeface="Cambria Math" panose="02040503050406030204" charset="0"/>
+                  <a:cs typeface="Cambria Math" panose="02040503050406030204" charset="0"/>
+                </a:endParaRPr>
+              </a:p>
+            </p:txBody>
+          </p:sp>
+        </mc:Choice>
+        <mc:Fallback>
+          <p:sp>
+            <p:nvSpPr>
+              <p:cNvPr id="26" name="文本框 25"/>
+              <p:cNvSpPr txBox="1">
+                <a:spLocks noRot="1" noChangeAspect="1" noMove="1" noResize="1" noEditPoints="1" noAdjustHandles="1" noChangeArrowheads="1" noChangeShapeType="1" noTextEdit="1"/>
+              </p:cNvSpPr>
+              <p:nvPr/>
+            </p:nvSpPr>
+            <p:spPr>
+              <a:xfrm>
+                <a:off x="2407920" y="2720340"/>
+                <a:ext cx="2291080" cy="299720"/>
+              </a:xfrm>
+              <a:prstGeom prst="rect">
+                <a:avLst/>
+              </a:prstGeom>
+              <a:blipFill rotWithShape="1">
+                <a:blip r:embed="rId6"/>
+                <a:stretch>
+                  <a:fillRect l="-222" t="-1695" r="-194" b="-1483"/>
+                </a:stretch>
+              </a:blipFill>
+              <a:ln>
+                <a:solidFill>
+                  <a:schemeClr val="accent1"/>
+                </a:solidFill>
+              </a:ln>
+            </p:spPr>
+            <p:txBody>
+              <a:bodyPr/>
+              <a:lstStyle/>
+              <a:p>
+                <a:r>
+                  <a:rPr lang="zh-CN" altLang="en-US">
+                    <a:noFill/>
+                  </a:rPr>
+                  <a:t> </a:t>
+                </a:r>
+              </a:p>
+            </p:txBody>
+          </p:sp>
+        </mc:Fallback>
+      </mc:AlternateContent>
+      <p:cxnSp>
+        <p:nvCxnSpPr>
+          <p:cNvPr id="28" name="肘形连接符 27"/>
+          <p:cNvCxnSpPr>
+            <a:stCxn id="16" idx="2"/>
+          </p:cNvCxnSpPr>
+          <p:nvPr/>
+        </p:nvCxnSpPr>
+        <p:spPr>
+          <a:xfrm rot="5400000" flipV="1">
+            <a:off x="3888740" y="1646555"/>
+            <a:ext cx="468630" cy="1422400"/>
+          </a:xfrm>
+          <a:prstGeom prst="bentConnector2">
+            <a:avLst/>
+          </a:prstGeom>
+          <a:ln>
+            <a:tailEnd type="arrow"/>
+          </a:ln>
+        </p:spPr>
+        <p:style>
+          <a:lnRef idx="2">
+            <a:schemeClr val="accent1"/>
+          </a:lnRef>
+          <a:fillRef idx="0">
+            <a:srgbClr val="FFFFFF"/>
+          </a:fillRef>
+          <a:effectRef idx="0">
+            <a:srgbClr val="FFFFFF"/>
+          </a:effectRef>
+          <a:fontRef idx="minor">
+            <a:schemeClr val="tx1"/>
+          </a:fontRef>
+        </p:style>
+      </p:cxnSp>
+      <p:cxnSp>
+        <p:nvCxnSpPr>
+          <p:cNvPr id="29" name="肘形连接符 28"/>
+          <p:cNvCxnSpPr/>
+          <p:nvPr/>
+        </p:nvCxnSpPr>
+        <p:spPr>
+          <a:xfrm flipV="1">
+            <a:off x="6478905" y="2191385"/>
+            <a:ext cx="1720215" cy="201930"/>
+          </a:xfrm>
+          <a:prstGeom prst="bentConnector2">
+            <a:avLst/>
+          </a:prstGeom>
+          <a:ln>
+            <a:tailEnd type="arrow"/>
+          </a:ln>
+        </p:spPr>
+        <p:style>
+          <a:lnRef idx="2">
+            <a:schemeClr val="accent1"/>
+          </a:lnRef>
+          <a:fillRef idx="0">
+            <a:srgbClr val="FFFFFF"/>
+          </a:fillRef>
+          <a:effectRef idx="0">
+            <a:srgbClr val="FFFFFF"/>
+          </a:effectRef>
+          <a:fontRef idx="minor">
+            <a:schemeClr val="tx1"/>
+          </a:fontRef>
+        </p:style>
+      </p:cxnSp>
+      <mc:AlternateContent xmlns:mc="http://schemas.openxmlformats.org/markup-compatibility/2006">
+        <mc:Choice xmlns:a14="http://schemas.microsoft.com/office/drawing/2010/main" Requires="a14">
+          <p:sp>
+            <p:nvSpPr>
+              <p:cNvPr id="30" name="文本框 29"/>
+              <p:cNvSpPr txBox="1"/>
+              <p:nvPr/>
+            </p:nvSpPr>
+            <p:spPr>
+              <a:xfrm>
+                <a:off x="6798310" y="2535555"/>
+                <a:ext cx="2800985" cy="893445"/>
+              </a:xfrm>
+              <a:prstGeom prst="rect">
+                <a:avLst/>
+              </a:prstGeom>
+              <a:noFill/>
+              <a:ln>
+                <a:solidFill>
+                  <a:schemeClr val="accent1"/>
+                </a:solidFill>
+              </a:ln>
+            </p:spPr>
+            <p:txBody>
+              <a:bodyPr wrap="square" rtlCol="0">
+                <a:spAutoFit/>
+              </a:bodyPr>
+              <a:p>
+                <a14:m>
+                  <m:oMathPara xmlns:m="http://schemas.openxmlformats.org/officeDocument/2006/math">
+                    <m:oMathParaPr>
+                      <m:jc m:val="centerGroup"/>
+                    </m:oMathParaPr>
+                    <m:oMath xmlns:m="http://schemas.openxmlformats.org/officeDocument/2006/math">
+                      <m:r>
+                        <a:rPr lang="en-US" altLang="zh-CN" sz="1400" i="1">
+                          <a:latin typeface="Cambria Math" panose="02040503050406030204" charset="0"/>
+                          <a:cs typeface="Cambria Math" panose="02040503050406030204" charset="0"/>
+                        </a:rPr>
+                        <m:t>𝑞</m:t>
+                      </m:r>
+                      <m:r>
+                        <a:rPr lang="en-US" altLang="zh-CN" sz="1400" i="1">
+                          <a:latin typeface="Cambria Math" panose="02040503050406030204" charset="0"/>
+                          <a:cs typeface="Cambria Math" panose="02040503050406030204" charset="0"/>
+                        </a:rPr>
+                        <m:t> = </m:t>
+                      </m:r>
+                      <m:r>
+                        <a:rPr lang="en-US" altLang="zh-CN" sz="1400" i="1">
+                          <a:latin typeface="Cambria Math" panose="02040503050406030204" charset="0"/>
+                          <a:cs typeface="Cambria Math" panose="02040503050406030204" charset="0"/>
+                        </a:rPr>
+                        <m:t>𝑎𝑟𝑔𝑚𝑖𝑛</m:t>
+                      </m:r>
+                      <m:r>
+                        <a:rPr lang="en-US" altLang="zh-CN" sz="1400" i="1">
+                          <a:latin typeface="Cambria Math" panose="02040503050406030204" charset="0"/>
+                          <a:cs typeface="Cambria Math" panose="02040503050406030204" charset="0"/>
+                        </a:rPr>
+                        <m:t>(</m:t>
+                      </m:r>
+                      <m:f>
+                        <m:fPr>
+                          <m:ctrlPr>
+                            <a:rPr lang="en-US" altLang="zh-CN" sz="1400" i="1">
+                              <a:latin typeface="Cambria Math" panose="02040503050406030204" charset="0"/>
+                              <a:cs typeface="Cambria Math" panose="02040503050406030204" charset="0"/>
+                            </a:rPr>
+                          </m:ctrlPr>
+                        </m:fPr>
+                        <m:num>
+                          <m:r>
+                            <a:rPr lang="en-US" altLang="zh-CN" sz="1400" i="1">
+                              <a:latin typeface="Cambria Math" panose="02040503050406030204" charset="0"/>
+                              <a:cs typeface="Cambria Math" panose="02040503050406030204" charset="0"/>
+                            </a:rPr>
+                            <m:t>1</m:t>
+                          </m:r>
+                        </m:num>
+                        <m:den>
+                          <m:r>
+                            <a:rPr lang="en-US" altLang="zh-CN" sz="1400" i="1">
+                              <a:latin typeface="Cambria Math" panose="02040503050406030204" charset="0"/>
+                              <a:cs typeface="Cambria Math" panose="02040503050406030204" charset="0"/>
+                            </a:rPr>
+                            <m:t>2</m:t>
+                          </m:r>
+                          <m:sSup>
+                            <m:sSupPr>
+                              <m:ctrlPr>
+                                <a:rPr lang="en-US" altLang="zh-CN" sz="1400" i="1">
+                                  <a:latin typeface="Cambria Math" panose="02040503050406030204" charset="0"/>
+                                  <a:cs typeface="Cambria Math" panose="02040503050406030204" charset="0"/>
+                                </a:rPr>
+                              </m:ctrlPr>
+                            </m:sSupPr>
+                            <m:e>
+                              <m:r>
+                                <a:rPr lang="en-US" altLang="zh-CN" sz="1400" i="1">
+                                  <a:latin typeface="Cambria Math" panose="02040503050406030204" charset="0"/>
+                                  <a:cs typeface="Cambria Math" panose="02040503050406030204" charset="0"/>
+                                </a:rPr>
+                                <m:t>ℎ</m:t>
+                              </m:r>
+                            </m:e>
+                            <m:sup>
+                              <m:r>
+                                <a:rPr lang="en-US" altLang="zh-CN" sz="1400" i="1">
+                                  <a:latin typeface="Cambria Math" panose="02040503050406030204" charset="0"/>
+                                  <a:cs typeface="Cambria Math" panose="02040503050406030204" charset="0"/>
+                                </a:rPr>
+                                <m:t>2</m:t>
+                              </m:r>
+                            </m:sup>
+                          </m:sSup>
+                        </m:den>
+                      </m:f>
+                      <m:sSup>
+                        <m:sSupPr>
+                          <m:ctrlPr>
+                            <a:rPr lang="en-US" altLang="zh-CN" sz="1400" i="1">
+                              <a:latin typeface="Cambria Math" panose="02040503050406030204" charset="0"/>
+                              <a:cs typeface="Cambria Math" panose="02040503050406030204" charset="0"/>
+                            </a:rPr>
+                          </m:ctrlPr>
+                        </m:sSupPr>
+                        <m:e>
+                          <m:d>
+                            <m:dPr>
+                              <m:begChr m:val="‖"/>
+                              <m:endChr m:val="‖"/>
+                              <m:ctrlPr>
+                                <a:rPr lang="en-US" altLang="zh-CN" sz="1400" i="1">
+                                  <a:latin typeface="Cambria Math" panose="02040503050406030204" charset="0"/>
+                                  <a:cs typeface="Cambria Math" panose="02040503050406030204" charset="0"/>
+                                </a:rPr>
+                              </m:ctrlPr>
+                            </m:dPr>
+                            <m:e>
+                              <m:sSup>
+                                <m:sSupPr>
+                                  <m:ctrlPr>
+                                    <a:rPr lang="en-US" altLang="zh-CN" sz="1400" i="1">
+                                      <a:latin typeface="Cambria Math" panose="02040503050406030204" charset="0"/>
+                                      <a:cs typeface="Cambria Math" panose="02040503050406030204" charset="0"/>
+                                    </a:rPr>
+                                  </m:ctrlPr>
+                                </m:sSupPr>
+                                <m:e>
+                                  <m:r>
+                                    <a:rPr lang="en-US" altLang="zh-CN" sz="1400" i="1">
+                                      <a:latin typeface="Cambria Math" panose="02040503050406030204" charset="0"/>
+                                      <a:cs typeface="Cambria Math" panose="02040503050406030204" charset="0"/>
+                                    </a:rPr>
+                                    <m:t>𝑀</m:t>
+                                  </m:r>
+                                </m:e>
+                                <m:sup>
+                                  <m:f>
+                                    <m:fPr>
+                                      <m:ctrlPr>
+                                        <a:rPr lang="en-US" altLang="zh-CN" sz="1400" i="1">
+                                          <a:latin typeface="Cambria Math" panose="02040503050406030204" charset="0"/>
+                                          <a:cs typeface="Cambria Math" panose="02040503050406030204" charset="0"/>
+                                        </a:rPr>
+                                      </m:ctrlPr>
+                                    </m:fPr>
+                                    <m:num>
+                                      <m:r>
+                                        <a:rPr lang="en-US" altLang="zh-CN" sz="1400" i="1">
+                                          <a:latin typeface="Cambria Math" panose="02040503050406030204" charset="0"/>
+                                          <a:cs typeface="Cambria Math" panose="02040503050406030204" charset="0"/>
+                                        </a:rPr>
+                                        <m:t>1</m:t>
+                                      </m:r>
+                                    </m:num>
+                                    <m:den>
+                                      <m:r>
+                                        <a:rPr lang="en-US" altLang="zh-CN" sz="1400" i="1">
+                                          <a:latin typeface="Cambria Math" panose="02040503050406030204" charset="0"/>
+                                          <a:cs typeface="Cambria Math" panose="02040503050406030204" charset="0"/>
+                                        </a:rPr>
+                                        <m:t>2</m:t>
+                                      </m:r>
+                                    </m:den>
+                                  </m:f>
+                                </m:sup>
+                              </m:sSup>
+                              <m:r>
+                                <a:rPr lang="en-US" altLang="zh-CN" sz="1400" i="1">
+                                  <a:latin typeface="Cambria Math" panose="02040503050406030204" charset="0"/>
+                                  <a:cs typeface="Cambria Math" panose="02040503050406030204" charset="0"/>
+                                </a:rPr>
+                                <m:t>(</m:t>
+                              </m:r>
+                              <m:r>
+                                <a:rPr lang="en-US" altLang="zh-CN" sz="1400" i="1">
+                                  <a:latin typeface="Cambria Math" panose="02040503050406030204" charset="0"/>
+                                  <a:cs typeface="Cambria Math" panose="02040503050406030204" charset="0"/>
+                                </a:rPr>
+                                <m:t>𝑞</m:t>
+                              </m:r>
+                              <m:r>
+                                <a:rPr lang="en-US" altLang="zh-CN" sz="1400" i="1">
+                                  <a:latin typeface="Cambria Math" panose="02040503050406030204" charset="0"/>
+                                  <a:cs typeface="Cambria Math" panose="02040503050406030204" charset="0"/>
+                                </a:rPr>
+                                <m:t>−</m:t>
+                              </m:r>
+                              <m:sSub>
+                                <m:sSubPr>
+                                  <m:ctrlPr>
+                                    <a:rPr lang="en-US" altLang="zh-CN" sz="1400" i="1">
+                                      <a:latin typeface="Cambria Math" panose="02040503050406030204" charset="0"/>
+                                      <a:cs typeface="Cambria Math" panose="02040503050406030204" charset="0"/>
+                                    </a:rPr>
+                                  </m:ctrlPr>
+                                </m:sSubPr>
+                                <m:e>
+                                  <m:r>
+                                    <a:rPr lang="en-US" altLang="zh-CN" sz="1400" i="1">
+                                      <a:latin typeface="Cambria Math" panose="02040503050406030204" charset="0"/>
+                                      <a:cs typeface="Cambria Math" panose="02040503050406030204" charset="0"/>
+                                    </a:rPr>
+                                    <m:t>𝑠</m:t>
+                                  </m:r>
+                                </m:e>
+                                <m:sub>
+                                  <m:r>
+                                    <a:rPr lang="en-US" altLang="zh-CN" sz="1400" i="1">
+                                      <a:latin typeface="Cambria Math" panose="02040503050406030204" charset="0"/>
+                                      <a:cs typeface="Cambria Math" panose="02040503050406030204" charset="0"/>
+                                    </a:rPr>
+                                    <m:t>𝑡</m:t>
+                                  </m:r>
+                                </m:sub>
+                              </m:sSub>
+                              <m:r>
+                                <a:rPr lang="en-US" altLang="zh-CN" sz="1400" i="1">
+                                  <a:latin typeface="Cambria Math" panose="02040503050406030204" charset="0"/>
+                                  <a:cs typeface="Cambria Math" panose="02040503050406030204" charset="0"/>
+                                </a:rPr>
+                                <m:t>)</m:t>
+                              </m:r>
+                            </m:e>
+                          </m:d>
+                        </m:e>
+                        <m:sup>
+                          <m:r>
+                            <a:rPr lang="en-US" altLang="zh-CN" sz="1400" i="1">
+                              <a:latin typeface="Cambria Math" panose="02040503050406030204" charset="0"/>
+                              <a:cs typeface="Cambria Math" panose="02040503050406030204" charset="0"/>
+                            </a:rPr>
+                            <m:t>2</m:t>
+                          </m:r>
+                        </m:sup>
+                      </m:sSup>
+                    </m:oMath>
+                  </m:oMathPara>
+                </a14:m>
+                <a:endParaRPr lang="en-US" altLang="zh-CN" sz="1400" i="1">
+                  <a:latin typeface="Cambria Math" panose="02040503050406030204" charset="0"/>
+                  <a:cs typeface="Cambria Math" panose="02040503050406030204" charset="0"/>
+                </a:endParaRPr>
+              </a:p>
+              <a:p>
+                <a14:m>
+                  <m:oMathPara xmlns:m="http://schemas.openxmlformats.org/officeDocument/2006/math">
+                    <m:oMathParaPr>
+                      <m:jc m:val="centerGroup"/>
+                    </m:oMathParaPr>
+                    <m:oMath xmlns:m="http://schemas.openxmlformats.org/officeDocument/2006/math">
+                      <m:r>
+                        <a:rPr lang="en-US" altLang="zh-CN" sz="1400" i="1">
+                          <a:latin typeface="Cambria Math" panose="02040503050406030204" charset="0"/>
+                          <a:cs typeface="Cambria Math" panose="02040503050406030204" charset="0"/>
+                        </a:rPr>
+                        <m:t>+</m:t>
+                      </m:r>
+                      <m:nary>
+                        <m:naryPr>
+                          <m:chr m:val="∑"/>
+                          <m:limLoc m:val="undOvr"/>
+                          <m:subHide m:val="on"/>
+                          <m:supHide m:val="on"/>
+                          <m:ctrlPr>
+                            <a:rPr lang="en-US" altLang="zh-CN" sz="1400" i="1">
+                              <a:latin typeface="Cambria Math" panose="02040503050406030204" charset="0"/>
+                              <a:cs typeface="Cambria Math" panose="02040503050406030204" charset="0"/>
+                            </a:rPr>
+                          </m:ctrlPr>
+                        </m:naryPr>
+                        <m:sub/>
+                        <m:sup/>
+                        <m:e>
+                          <m:f>
+                            <m:fPr>
+                              <m:ctrlPr>
+                                <a:rPr lang="en-US" altLang="zh-CN" sz="1400" i="1">
+                                  <a:latin typeface="Cambria Math" panose="02040503050406030204" charset="0"/>
+                                  <a:cs typeface="Cambria Math" panose="02040503050406030204" charset="0"/>
+                                </a:rPr>
+                              </m:ctrlPr>
+                            </m:fPr>
+                            <m:num>
+                              <m:sSub>
+                                <m:sSubPr>
+                                  <m:ctrlPr>
+                                    <a:rPr lang="en-US" altLang="zh-CN" sz="1400" i="1">
+                                      <a:latin typeface="Cambria Math" panose="02040503050406030204" charset="0"/>
+                                      <a:cs typeface="Cambria Math" panose="02040503050406030204" charset="0"/>
+                                    </a:rPr>
+                                  </m:ctrlPr>
+                                </m:sSubPr>
+                                <m:e>
+                                  <m:r>
+                                    <a:rPr lang="en-US" altLang="zh-CN" sz="1400" i="1">
+                                      <a:latin typeface="Cambria Math" panose="02040503050406030204" charset="0"/>
+                                      <a:cs typeface="Cambria Math" panose="02040503050406030204" charset="0"/>
+                                    </a:rPr>
+                                    <m:t>𝑤</m:t>
+                                  </m:r>
+                                </m:e>
+                                <m:sub>
+                                  <m:r>
+                                    <a:rPr lang="en-US" altLang="zh-CN" sz="1400" i="1">
+                                      <a:latin typeface="Cambria Math" panose="02040503050406030204" charset="0"/>
+                                      <a:cs typeface="Cambria Math" panose="02040503050406030204" charset="0"/>
+                                    </a:rPr>
+                                    <m:t>𝑐</m:t>
+                                  </m:r>
+                                </m:sub>
+                              </m:sSub>
+                            </m:num>
+                            <m:den>
+                              <m:r>
+                                <a:rPr lang="en-US" altLang="zh-CN" sz="1400" i="1">
+                                  <a:latin typeface="Cambria Math" panose="02040503050406030204" charset="0"/>
+                                  <a:cs typeface="Cambria Math" panose="02040503050406030204" charset="0"/>
+                                </a:rPr>
+                                <m:t>2</m:t>
+                              </m:r>
+                            </m:den>
+                          </m:f>
+                          <m:sSup>
+                            <m:sSupPr>
+                              <m:ctrlPr>
+                                <a:rPr lang="en-US" altLang="zh-CN" sz="1400" i="1">
+                                  <a:latin typeface="Cambria Math" panose="02040503050406030204" charset="0"/>
+                                  <a:cs typeface="Cambria Math" panose="02040503050406030204" charset="0"/>
+                                </a:rPr>
+                              </m:ctrlPr>
+                            </m:sSupPr>
+                            <m:e>
+                              <m:d>
+                                <m:dPr>
+                                  <m:begChr m:val="‖"/>
+                                  <m:endChr m:val="‖"/>
+                                  <m:ctrlPr>
+                                    <a:rPr lang="en-US" altLang="zh-CN" sz="1400" i="1">
+                                      <a:latin typeface="Cambria Math" panose="02040503050406030204" charset="0"/>
+                                      <a:cs typeface="Cambria Math" panose="02040503050406030204" charset="0"/>
+                                    </a:rPr>
+                                  </m:ctrlPr>
+                                </m:dPr>
+                                <m:e>
+                                  <m:sSub>
+                                    <m:sSubPr>
+                                      <m:ctrlPr>
+                                        <a:rPr lang="en-US" altLang="zh-CN" sz="1400" i="1">
+                                          <a:latin typeface="Cambria Math" panose="02040503050406030204" charset="0"/>
+                                          <a:cs typeface="Cambria Math" panose="02040503050406030204" charset="0"/>
+                                        </a:rPr>
+                                      </m:ctrlPr>
+                                    </m:sSubPr>
+                                    <m:e>
+                                      <m:r>
+                                        <a:rPr lang="en-US" altLang="zh-CN" sz="1400" i="1">
+                                          <a:latin typeface="Cambria Math" panose="02040503050406030204" charset="0"/>
+                                          <a:cs typeface="Cambria Math" panose="02040503050406030204" charset="0"/>
+                                        </a:rPr>
+                                        <m:t>𝐴</m:t>
+                                      </m:r>
+                                    </m:e>
+                                    <m:sub>
+                                      <m:r>
+                                        <a:rPr lang="en-US" altLang="zh-CN" sz="1400" i="1">
+                                          <a:latin typeface="Cambria Math" panose="02040503050406030204" charset="0"/>
+                                          <a:cs typeface="Cambria Math" panose="02040503050406030204" charset="0"/>
+                                        </a:rPr>
+                                        <m:t>𝑐</m:t>
+                                      </m:r>
+                                    </m:sub>
+                                  </m:sSub>
+                                  <m:r>
+                                    <a:rPr lang="en-US" altLang="zh-CN" sz="1400" i="1">
+                                      <a:latin typeface="Cambria Math" panose="02040503050406030204" charset="0"/>
+                                      <a:cs typeface="Cambria Math" panose="02040503050406030204" charset="0"/>
+                                    </a:rPr>
+                                    <m:t>𝑞</m:t>
+                                  </m:r>
+                                  <m:r>
+                                    <a:rPr lang="en-US" altLang="zh-CN" sz="1400" i="1">
+                                      <a:latin typeface="Cambria Math" panose="02040503050406030204" charset="0"/>
+                                      <a:cs typeface="Cambria Math" panose="02040503050406030204" charset="0"/>
+                                    </a:rPr>
+                                    <m:t> </m:t>
+                                  </m:r>
+                                  <m:r>
+                                    <a:rPr lang="en-US" altLang="zh-CN" sz="1400" i="1">
+                                      <a:latin typeface="Cambria Math" panose="02040503050406030204" charset="0"/>
+                                      <a:cs typeface="Cambria Math" panose="02040503050406030204" charset="0"/>
+                                    </a:rPr>
+                                    <m:t>−</m:t>
+                                  </m:r>
+                                  <m:r>
+                                    <a:rPr lang="en-US" altLang="zh-CN" sz="1400" i="1">
+                                      <a:latin typeface="Cambria Math" panose="02040503050406030204" charset="0"/>
+                                      <a:cs typeface="Cambria Math" panose="02040503050406030204" charset="0"/>
+                                    </a:rPr>
+                                    <m:t> </m:t>
+                                  </m:r>
+                                  <m:sSub>
+                                    <m:sSubPr>
+                                      <m:ctrlPr>
+                                        <a:rPr lang="en-US" altLang="zh-CN" sz="1400" i="1">
+                                          <a:latin typeface="Cambria Math" panose="02040503050406030204" charset="0"/>
+                                          <a:cs typeface="Cambria Math" panose="02040503050406030204" charset="0"/>
+                                        </a:rPr>
+                                      </m:ctrlPr>
+                                    </m:sSubPr>
+                                    <m:e>
+                                      <m:r>
+                                        <a:rPr lang="en-US" altLang="zh-CN" sz="1400" i="1">
+                                          <a:latin typeface="Cambria Math" panose="02040503050406030204" charset="0"/>
+                                          <a:cs typeface="Cambria Math" panose="02040503050406030204" charset="0"/>
+                                        </a:rPr>
+                                        <m:t>𝐵</m:t>
+                                      </m:r>
+                                    </m:e>
+                                    <m:sub>
+                                      <m:r>
+                                        <a:rPr lang="en-US" altLang="zh-CN" sz="1400" i="1">
+                                          <a:latin typeface="Cambria Math" panose="02040503050406030204" charset="0"/>
+                                          <a:cs typeface="Cambria Math" panose="02040503050406030204" charset="0"/>
+                                        </a:rPr>
+                                        <m:t>𝑐</m:t>
+                                      </m:r>
+                                    </m:sub>
+                                  </m:sSub>
+                                  <m:sSub>
+                                    <m:sSubPr>
+                                      <m:ctrlPr>
+                                        <a:rPr lang="en-US" altLang="zh-CN" sz="1400" i="1">
+                                          <a:latin typeface="Cambria Math" panose="02040503050406030204" charset="0"/>
+                                          <a:cs typeface="Cambria Math" panose="02040503050406030204" charset="0"/>
+                                        </a:rPr>
+                                      </m:ctrlPr>
+                                    </m:sSubPr>
+                                    <m:e>
+                                      <m:r>
+                                        <a:rPr lang="en-US" altLang="zh-CN" sz="1400" i="1">
+                                          <a:latin typeface="Cambria Math" panose="02040503050406030204" charset="0"/>
+                                          <a:cs typeface="Cambria Math" panose="02040503050406030204" charset="0"/>
+                                        </a:rPr>
+                                        <m:t>𝑝</m:t>
+                                      </m:r>
+                                    </m:e>
+                                    <m:sub>
+                                      <m:r>
+                                        <a:rPr lang="en-US" altLang="zh-CN" sz="1400" i="1">
+                                          <a:latin typeface="Cambria Math" panose="02040503050406030204" charset="0"/>
+                                          <a:cs typeface="Cambria Math" panose="02040503050406030204" charset="0"/>
+                                        </a:rPr>
+                                        <m:t>𝑐</m:t>
+                                      </m:r>
+                                    </m:sub>
+                                  </m:sSub>
+                                </m:e>
+                              </m:d>
+                            </m:e>
+                            <m:sup>
+                              <m:r>
+                                <a:rPr lang="en-US" altLang="zh-CN" sz="1400" i="1">
+                                  <a:latin typeface="Cambria Math" panose="02040503050406030204" charset="0"/>
+                                  <a:cs typeface="Cambria Math" panose="02040503050406030204" charset="0"/>
+                                </a:rPr>
+                                <m:t>2</m:t>
+                              </m:r>
+                            </m:sup>
+                          </m:sSup>
+                        </m:e>
+                      </m:nary>
+                      <m:r>
+                        <a:rPr lang="en-US" altLang="zh-CN" sz="1400" i="1">
+                          <a:latin typeface="Cambria Math" panose="02040503050406030204" charset="0"/>
+                          <a:ea typeface="MS Mincho" charset="0"/>
+                          <a:cs typeface="Cambria Math" panose="02040503050406030204" charset="0"/>
+                        </a:rPr>
+                        <m:t>)</m:t>
+                      </m:r>
+                    </m:oMath>
+                  </m:oMathPara>
+                </a14:m>
+                <a:endParaRPr lang="en-US" altLang="zh-CN" sz="1400" i="1">
+                  <a:latin typeface="Cambria Math" panose="02040503050406030204" charset="0"/>
+                  <a:ea typeface="MS Mincho" charset="0"/>
+                  <a:cs typeface="Cambria Math" panose="02040503050406030204" charset="0"/>
+                </a:endParaRPr>
+              </a:p>
+            </p:txBody>
+          </p:sp>
+        </mc:Choice>
+        <mc:Fallback>
+          <p:sp>
+            <p:nvSpPr>
+              <p:cNvPr id="30" name="文本框 29"/>
+              <p:cNvSpPr txBox="1">
+                <a:spLocks noRot="1" noChangeAspect="1" noMove="1" noResize="1" noEditPoints="1" noAdjustHandles="1" noChangeArrowheads="1" noChangeShapeType="1" noTextEdit="1"/>
+              </p:cNvSpPr>
+              <p:nvPr/>
+            </p:nvSpPr>
+            <p:spPr>
+              <a:xfrm>
+                <a:off x="6798310" y="2535555"/>
+                <a:ext cx="2800985" cy="893445"/>
+              </a:xfrm>
+              <a:prstGeom prst="rect">
+                <a:avLst/>
+              </a:prstGeom>
+              <a:blipFill rotWithShape="1">
+                <a:blip r:embed="rId7"/>
+                <a:stretch>
+                  <a:fillRect l="-181" t="-569" r="-159" b="-498"/>
+                </a:stretch>
+              </a:blipFill>
+              <a:ln>
+                <a:solidFill>
+                  <a:schemeClr val="accent1"/>
+                </a:solidFill>
+              </a:ln>
+            </p:spPr>
+            <p:txBody>
+              <a:bodyPr/>
+              <a:lstStyle/>
+              <a:p>
+                <a:r>
+                  <a:rPr lang="zh-CN" altLang="en-US">
+                    <a:noFill/>
+                  </a:rPr>
+                  <a:t> </a:t>
+                </a:r>
+              </a:p>
+            </p:txBody>
+          </p:sp>
+        </mc:Fallback>
+      </mc:AlternateContent>
+      <p:cxnSp>
+        <p:nvCxnSpPr>
+          <p:cNvPr id="34" name="肘形连接符 33"/>
+          <p:cNvCxnSpPr>
+            <a:stCxn id="19" idx="3"/>
+            <a:endCxn id="20" idx="3"/>
+          </p:cNvCxnSpPr>
+          <p:nvPr/>
+        </p:nvCxnSpPr>
+        <p:spPr>
+          <a:xfrm>
+            <a:off x="9001760" y="1193165"/>
+            <a:ext cx="3175" cy="4389755"/>
+          </a:xfrm>
+          <a:prstGeom prst="bentConnector3">
+            <a:avLst>
+              <a:gd name="adj1" fmla="val 25140000"/>
+            </a:avLst>
+          </a:prstGeom>
+          <a:ln w="19050">
+            <a:solidFill>
+              <a:schemeClr val="tx1"/>
+            </a:solidFill>
+            <a:tailEnd type="arrow"/>
+          </a:ln>
+        </p:spPr>
+        <p:style>
+          <a:lnRef idx="2">
+            <a:schemeClr val="accent1"/>
+          </a:lnRef>
+          <a:fillRef idx="0">
+            <a:srgbClr val="FFFFFF"/>
+          </a:fillRef>
+          <a:effectRef idx="0">
+            <a:srgbClr val="FFFFFF"/>
+          </a:effectRef>
+          <a:fontRef idx="minor">
+            <a:schemeClr val="tx1"/>
+          </a:fontRef>
+        </p:style>
+      </p:cxnSp>
+      <mc:AlternateContent xmlns:mc="http://schemas.openxmlformats.org/markup-compatibility/2006">
+        <mc:Choice xmlns:a14="http://schemas.microsoft.com/office/drawing/2010/main" Requires="a14">
+          <p:sp>
+            <p:nvSpPr>
+              <p:cNvPr id="35" name="文本框 34"/>
+              <p:cNvSpPr txBox="1"/>
+              <p:nvPr/>
+            </p:nvSpPr>
+            <p:spPr>
+              <a:xfrm>
+                <a:off x="4380230" y="4505325"/>
+                <a:ext cx="2800985" cy="893445"/>
+              </a:xfrm>
+              <a:prstGeom prst="rect">
+                <a:avLst/>
+              </a:prstGeom>
+              <a:noFill/>
+              <a:ln>
+                <a:solidFill>
+                  <a:schemeClr val="accent1"/>
+                </a:solidFill>
+              </a:ln>
+            </p:spPr>
+            <p:txBody>
+              <a:bodyPr wrap="square" rtlCol="0">
+                <a:spAutoFit/>
+              </a:bodyPr>
+              <a:p>
+                <a14:m>
+                  <m:oMathPara xmlns:m="http://schemas.openxmlformats.org/officeDocument/2006/math">
+                    <m:oMathParaPr>
+                      <m:jc m:val="centerGroup"/>
+                    </m:oMathParaPr>
+                    <m:oMath xmlns:m="http://schemas.openxmlformats.org/officeDocument/2006/math">
+                      <m:r>
+                        <a:rPr lang="en-US" altLang="zh-CN" sz="1400" i="1">
+                          <a:latin typeface="Cambria Math" panose="02040503050406030204" charset="0"/>
+                          <a:cs typeface="Cambria Math" panose="02040503050406030204" charset="0"/>
+                        </a:rPr>
+                        <m:t>𝑞</m:t>
+                      </m:r>
+                      <m:r>
+                        <a:rPr lang="en-US" altLang="zh-CN" sz="1400" i="1">
+                          <a:latin typeface="Cambria Math" panose="02040503050406030204" charset="0"/>
+                          <a:cs typeface="Cambria Math" panose="02040503050406030204" charset="0"/>
+                        </a:rPr>
+                        <m:t> = </m:t>
+                      </m:r>
+                      <m:r>
+                        <a:rPr lang="en-US" altLang="zh-CN" sz="1400" i="1">
+                          <a:latin typeface="Cambria Math" panose="02040503050406030204" charset="0"/>
+                          <a:cs typeface="Cambria Math" panose="02040503050406030204" charset="0"/>
+                        </a:rPr>
+                        <m:t>𝑎𝑟𝑔𝑚𝑖𝑛</m:t>
+                      </m:r>
+                      <m:r>
+                        <a:rPr lang="en-US" altLang="zh-CN" sz="1400" i="1">
+                          <a:latin typeface="Cambria Math" panose="02040503050406030204" charset="0"/>
+                          <a:cs typeface="Cambria Math" panose="02040503050406030204" charset="0"/>
+                        </a:rPr>
+                        <m:t>(</m:t>
+                      </m:r>
+                      <m:f>
+                        <m:fPr>
+                          <m:ctrlPr>
+                            <a:rPr lang="en-US" altLang="zh-CN" sz="1400" i="1">
+                              <a:latin typeface="Cambria Math" panose="02040503050406030204" charset="0"/>
+                              <a:cs typeface="Cambria Math" panose="02040503050406030204" charset="0"/>
+                            </a:rPr>
+                          </m:ctrlPr>
+                        </m:fPr>
+                        <m:num>
+                          <m:r>
+                            <a:rPr lang="en-US" altLang="zh-CN" sz="1400" i="1">
+                              <a:latin typeface="Cambria Math" panose="02040503050406030204" charset="0"/>
+                              <a:cs typeface="Cambria Math" panose="02040503050406030204" charset="0"/>
+                            </a:rPr>
+                            <m:t>1</m:t>
+                          </m:r>
+                        </m:num>
+                        <m:den>
+                          <m:r>
+                            <a:rPr lang="en-US" altLang="zh-CN" sz="1400" i="1">
+                              <a:latin typeface="Cambria Math" panose="02040503050406030204" charset="0"/>
+                              <a:cs typeface="Cambria Math" panose="02040503050406030204" charset="0"/>
+                            </a:rPr>
+                            <m:t>2</m:t>
+                          </m:r>
+                          <m:sSup>
+                            <m:sSupPr>
+                              <m:ctrlPr>
+                                <a:rPr lang="en-US" altLang="zh-CN" sz="1400" i="1">
+                                  <a:latin typeface="Cambria Math" panose="02040503050406030204" charset="0"/>
+                                  <a:cs typeface="Cambria Math" panose="02040503050406030204" charset="0"/>
+                                </a:rPr>
+                              </m:ctrlPr>
+                            </m:sSupPr>
+                            <m:e>
+                              <m:r>
+                                <a:rPr lang="en-US" altLang="zh-CN" sz="1400" i="1">
+                                  <a:latin typeface="Cambria Math" panose="02040503050406030204" charset="0"/>
+                                  <a:cs typeface="Cambria Math" panose="02040503050406030204" charset="0"/>
+                                </a:rPr>
+                                <m:t>ℎ</m:t>
+                              </m:r>
+                            </m:e>
+                            <m:sup>
+                              <m:r>
+                                <a:rPr lang="en-US" altLang="zh-CN" sz="1400" i="1">
+                                  <a:latin typeface="Cambria Math" panose="02040503050406030204" charset="0"/>
+                                  <a:cs typeface="Cambria Math" panose="02040503050406030204" charset="0"/>
+                                </a:rPr>
+                                <m:t>2</m:t>
+                              </m:r>
+                            </m:sup>
+                          </m:sSup>
+                        </m:den>
+                      </m:f>
+                      <m:sSup>
+                        <m:sSupPr>
+                          <m:ctrlPr>
+                            <a:rPr lang="en-US" altLang="zh-CN" sz="1400" i="1">
+                              <a:latin typeface="Cambria Math" panose="02040503050406030204" charset="0"/>
+                              <a:cs typeface="Cambria Math" panose="02040503050406030204" charset="0"/>
+                            </a:rPr>
+                          </m:ctrlPr>
+                        </m:sSupPr>
+                        <m:e>
+                          <m:d>
+                            <m:dPr>
+                              <m:begChr m:val="‖"/>
+                              <m:endChr m:val="‖"/>
+                              <m:ctrlPr>
+                                <a:rPr lang="en-US" altLang="zh-CN" sz="1400" i="1">
+                                  <a:latin typeface="Cambria Math" panose="02040503050406030204" charset="0"/>
+                                  <a:cs typeface="Cambria Math" panose="02040503050406030204" charset="0"/>
+                                </a:rPr>
+                              </m:ctrlPr>
+                            </m:dPr>
+                            <m:e>
+                              <m:sSup>
+                                <m:sSupPr>
+                                  <m:ctrlPr>
+                                    <a:rPr lang="en-US" altLang="zh-CN" sz="1400" i="1">
+                                      <a:latin typeface="Cambria Math" panose="02040503050406030204" charset="0"/>
+                                      <a:cs typeface="Cambria Math" panose="02040503050406030204" charset="0"/>
+                                    </a:rPr>
+                                  </m:ctrlPr>
+                                </m:sSupPr>
+                                <m:e>
+                                  <m:r>
+                                    <a:rPr lang="en-US" altLang="zh-CN" sz="1400" i="1">
+                                      <a:latin typeface="Cambria Math" panose="02040503050406030204" charset="0"/>
+                                      <a:cs typeface="Cambria Math" panose="02040503050406030204" charset="0"/>
+                                    </a:rPr>
+                                    <m:t>𝑀</m:t>
+                                  </m:r>
+                                </m:e>
+                                <m:sup>
+                                  <m:f>
+                                    <m:fPr>
+                                      <m:ctrlPr>
+                                        <a:rPr lang="en-US" altLang="zh-CN" sz="1400" i="1">
+                                          <a:latin typeface="Cambria Math" panose="02040503050406030204" charset="0"/>
+                                          <a:cs typeface="Cambria Math" panose="02040503050406030204" charset="0"/>
+                                        </a:rPr>
+                                      </m:ctrlPr>
+                                    </m:fPr>
+                                    <m:num>
+                                      <m:r>
+                                        <a:rPr lang="en-US" altLang="zh-CN" sz="1400" i="1">
+                                          <a:latin typeface="Cambria Math" panose="02040503050406030204" charset="0"/>
+                                          <a:cs typeface="Cambria Math" panose="02040503050406030204" charset="0"/>
+                                        </a:rPr>
+                                        <m:t>1</m:t>
+                                      </m:r>
+                                    </m:num>
+                                    <m:den>
+                                      <m:r>
+                                        <a:rPr lang="en-US" altLang="zh-CN" sz="1400" i="1">
+                                          <a:latin typeface="Cambria Math" panose="02040503050406030204" charset="0"/>
+                                          <a:cs typeface="Cambria Math" panose="02040503050406030204" charset="0"/>
+                                        </a:rPr>
+                                        <m:t>2</m:t>
+                                      </m:r>
+                                    </m:den>
+                                  </m:f>
+                                </m:sup>
+                              </m:sSup>
+                              <m:r>
+                                <a:rPr lang="en-US" altLang="zh-CN" sz="1400" i="1">
+                                  <a:latin typeface="Cambria Math" panose="02040503050406030204" charset="0"/>
+                                  <a:cs typeface="Cambria Math" panose="02040503050406030204" charset="0"/>
+                                </a:rPr>
+                                <m:t>(</m:t>
+                              </m:r>
+                              <m:r>
+                                <a:rPr lang="en-US" altLang="zh-CN" sz="1400" i="1">
+                                  <a:latin typeface="Cambria Math" panose="02040503050406030204" charset="0"/>
+                                  <a:cs typeface="Cambria Math" panose="02040503050406030204" charset="0"/>
+                                </a:rPr>
+                                <m:t>𝑞</m:t>
+                              </m:r>
+                              <m:r>
+                                <a:rPr lang="en-US" altLang="zh-CN" sz="1400" i="1">
+                                  <a:latin typeface="Cambria Math" panose="02040503050406030204" charset="0"/>
+                                  <a:cs typeface="Cambria Math" panose="02040503050406030204" charset="0"/>
+                                </a:rPr>
+                                <m:t>−</m:t>
+                              </m:r>
+                              <m:sSub>
+                                <m:sSubPr>
+                                  <m:ctrlPr>
+                                    <a:rPr lang="en-US" altLang="zh-CN" sz="1400" i="1">
+                                      <a:latin typeface="Cambria Math" panose="02040503050406030204" charset="0"/>
+                                      <a:cs typeface="Cambria Math" panose="02040503050406030204" charset="0"/>
+                                    </a:rPr>
+                                  </m:ctrlPr>
+                                </m:sSubPr>
+                                <m:e>
+                                  <m:r>
+                                    <a:rPr lang="en-US" altLang="zh-CN" sz="1400" i="1">
+                                      <a:latin typeface="Cambria Math" panose="02040503050406030204" charset="0"/>
+                                      <a:cs typeface="Cambria Math" panose="02040503050406030204" charset="0"/>
+                                    </a:rPr>
+                                    <m:t>𝑠</m:t>
+                                  </m:r>
+                                </m:e>
+                                <m:sub>
+                                  <m:r>
+                                    <a:rPr lang="en-US" altLang="zh-CN" sz="1400" i="1">
+                                      <a:latin typeface="Cambria Math" panose="02040503050406030204" charset="0"/>
+                                      <a:cs typeface="Cambria Math" panose="02040503050406030204" charset="0"/>
+                                    </a:rPr>
+                                    <m:t>𝑡</m:t>
+                                  </m:r>
+                                </m:sub>
+                              </m:sSub>
+                              <m:r>
+                                <a:rPr lang="en-US" altLang="zh-CN" sz="1400" i="1">
+                                  <a:latin typeface="Cambria Math" panose="02040503050406030204" charset="0"/>
+                                  <a:cs typeface="Cambria Math" panose="02040503050406030204" charset="0"/>
+                                </a:rPr>
+                                <m:t>)</m:t>
+                              </m:r>
+                            </m:e>
+                          </m:d>
+                        </m:e>
+                        <m:sup>
+                          <m:r>
+                            <a:rPr lang="en-US" altLang="zh-CN" sz="1400" i="1">
+                              <a:latin typeface="Cambria Math" panose="02040503050406030204" charset="0"/>
+                              <a:cs typeface="Cambria Math" panose="02040503050406030204" charset="0"/>
+                            </a:rPr>
+                            <m:t>2</m:t>
+                          </m:r>
+                        </m:sup>
+                      </m:sSup>
+                    </m:oMath>
+                  </m:oMathPara>
+                </a14:m>
+                <a:endParaRPr lang="en-US" altLang="zh-CN" sz="1400" i="1">
+                  <a:latin typeface="Cambria Math" panose="02040503050406030204" charset="0"/>
+                  <a:cs typeface="Cambria Math" panose="02040503050406030204" charset="0"/>
+                </a:endParaRPr>
+              </a:p>
+              <a:p>
+                <a14:m>
+                  <m:oMathPara xmlns:m="http://schemas.openxmlformats.org/officeDocument/2006/math">
+                    <m:oMathParaPr>
+                      <m:jc m:val="centerGroup"/>
+                    </m:oMathParaPr>
+                    <m:oMath xmlns:m="http://schemas.openxmlformats.org/officeDocument/2006/math">
+                      <m:r>
+                        <a:rPr lang="en-US" altLang="zh-CN" sz="1400" i="1">
+                          <a:latin typeface="Cambria Math" panose="02040503050406030204" charset="0"/>
+                          <a:cs typeface="Cambria Math" panose="02040503050406030204" charset="0"/>
+                        </a:rPr>
+                        <m:t>+</m:t>
+                      </m:r>
+                      <m:nary>
+                        <m:naryPr>
+                          <m:chr m:val="∑"/>
+                          <m:limLoc m:val="undOvr"/>
+                          <m:subHide m:val="on"/>
+                          <m:supHide m:val="on"/>
+                          <m:ctrlPr>
+                            <a:rPr lang="en-US" altLang="zh-CN" sz="1400" i="1">
+                              <a:latin typeface="Cambria Math" panose="02040503050406030204" charset="0"/>
+                              <a:cs typeface="Cambria Math" panose="02040503050406030204" charset="0"/>
+                            </a:rPr>
+                          </m:ctrlPr>
+                        </m:naryPr>
+                        <m:sub/>
+                        <m:sup/>
+                        <m:e>
+                          <m:f>
+                            <m:fPr>
+                              <m:ctrlPr>
+                                <a:rPr lang="en-US" altLang="zh-CN" sz="1400" i="1">
+                                  <a:latin typeface="Cambria Math" panose="02040503050406030204" charset="0"/>
+                                  <a:cs typeface="Cambria Math" panose="02040503050406030204" charset="0"/>
+                                </a:rPr>
+                              </m:ctrlPr>
+                            </m:fPr>
+                            <m:num>
+                              <m:sSub>
+                                <m:sSubPr>
+                                  <m:ctrlPr>
+                                    <a:rPr lang="en-US" altLang="zh-CN" sz="1400" i="1">
+                                      <a:latin typeface="Cambria Math" panose="02040503050406030204" charset="0"/>
+                                      <a:cs typeface="Cambria Math" panose="02040503050406030204" charset="0"/>
+                                    </a:rPr>
+                                  </m:ctrlPr>
+                                </m:sSubPr>
+                                <m:e>
+                                  <m:r>
+                                    <a:rPr lang="en-US" altLang="zh-CN" sz="1400" i="1">
+                                      <a:latin typeface="Cambria Math" panose="02040503050406030204" charset="0"/>
+                                      <a:cs typeface="Cambria Math" panose="02040503050406030204" charset="0"/>
+                                    </a:rPr>
+                                    <m:t>𝑤</m:t>
+                                  </m:r>
+                                </m:e>
+                                <m:sub>
+                                  <m:r>
+                                    <a:rPr lang="en-US" altLang="zh-CN" sz="1400" i="1">
+                                      <a:latin typeface="Cambria Math" panose="02040503050406030204" charset="0"/>
+                                      <a:cs typeface="Cambria Math" panose="02040503050406030204" charset="0"/>
+                                    </a:rPr>
+                                    <m:t>𝑐</m:t>
+                                  </m:r>
+                                </m:sub>
+                              </m:sSub>
+                            </m:num>
+                            <m:den>
+                              <m:r>
+                                <a:rPr lang="en-US" altLang="zh-CN" sz="1400" i="1">
+                                  <a:latin typeface="Cambria Math" panose="02040503050406030204" charset="0"/>
+                                  <a:cs typeface="Cambria Math" panose="02040503050406030204" charset="0"/>
+                                </a:rPr>
+                                <m:t>2</m:t>
+                              </m:r>
+                            </m:den>
+                          </m:f>
+                          <m:sSup>
+                            <m:sSupPr>
+                              <m:ctrlPr>
+                                <a:rPr lang="en-US" altLang="zh-CN" sz="1400" i="1">
+                                  <a:latin typeface="Cambria Math" panose="02040503050406030204" charset="0"/>
+                                  <a:cs typeface="Cambria Math" panose="02040503050406030204" charset="0"/>
+                                </a:rPr>
+                              </m:ctrlPr>
+                            </m:sSupPr>
+                            <m:e>
+                              <m:d>
+                                <m:dPr>
+                                  <m:begChr m:val="‖"/>
+                                  <m:endChr m:val="‖"/>
+                                  <m:ctrlPr>
+                                    <a:rPr lang="en-US" altLang="zh-CN" sz="1400" i="1">
+                                      <a:latin typeface="Cambria Math" panose="02040503050406030204" charset="0"/>
+                                      <a:cs typeface="Cambria Math" panose="02040503050406030204" charset="0"/>
+                                    </a:rPr>
+                                  </m:ctrlPr>
+                                </m:dPr>
+                                <m:e>
+                                  <m:sSub>
+                                    <m:sSubPr>
+                                      <m:ctrlPr>
+                                        <a:rPr lang="en-US" altLang="zh-CN" sz="1400" i="1">
+                                          <a:latin typeface="Cambria Math" panose="02040503050406030204" charset="0"/>
+                                          <a:cs typeface="Cambria Math" panose="02040503050406030204" charset="0"/>
+                                        </a:rPr>
+                                      </m:ctrlPr>
+                                    </m:sSubPr>
+                                    <m:e>
+                                      <m:r>
+                                        <a:rPr lang="en-US" altLang="zh-CN" sz="1400" i="1">
+                                          <a:latin typeface="Cambria Math" panose="02040503050406030204" charset="0"/>
+                                          <a:cs typeface="Cambria Math" panose="02040503050406030204" charset="0"/>
+                                        </a:rPr>
+                                        <m:t>𝐴</m:t>
+                                      </m:r>
+                                    </m:e>
+                                    <m:sub>
+                                      <m:r>
+                                        <a:rPr lang="en-US" altLang="zh-CN" sz="1400" i="1">
+                                          <a:latin typeface="Cambria Math" panose="02040503050406030204" charset="0"/>
+                                          <a:cs typeface="Cambria Math" panose="02040503050406030204" charset="0"/>
+                                        </a:rPr>
+                                        <m:t>𝑐</m:t>
+                                      </m:r>
+                                    </m:sub>
+                                  </m:sSub>
+                                  <m:r>
+                                    <a:rPr lang="en-US" altLang="zh-CN" sz="1400" i="1">
+                                      <a:latin typeface="Cambria Math" panose="02040503050406030204" charset="0"/>
+                                      <a:cs typeface="Cambria Math" panose="02040503050406030204" charset="0"/>
+                                    </a:rPr>
+                                    <m:t>𝑞</m:t>
+                                  </m:r>
+                                  <m:r>
+                                    <a:rPr lang="en-US" altLang="zh-CN" sz="1400" i="1">
+                                      <a:latin typeface="Cambria Math" panose="02040503050406030204" charset="0"/>
+                                      <a:cs typeface="Cambria Math" panose="02040503050406030204" charset="0"/>
+                                    </a:rPr>
+                                    <m:t> </m:t>
+                                  </m:r>
+                                  <m:r>
+                                    <a:rPr lang="en-US" altLang="zh-CN" sz="1400" i="1">
+                                      <a:latin typeface="Cambria Math" panose="02040503050406030204" charset="0"/>
+                                      <a:cs typeface="Cambria Math" panose="02040503050406030204" charset="0"/>
+                                    </a:rPr>
+                                    <m:t>−</m:t>
+                                  </m:r>
+                                  <m:r>
+                                    <a:rPr lang="en-US" altLang="zh-CN" sz="1400" i="1">
+                                      <a:latin typeface="Cambria Math" panose="02040503050406030204" charset="0"/>
+                                      <a:cs typeface="Cambria Math" panose="02040503050406030204" charset="0"/>
+                                    </a:rPr>
+                                    <m:t> </m:t>
+                                  </m:r>
+                                  <m:sSub>
+                                    <m:sSubPr>
+                                      <m:ctrlPr>
+                                        <a:rPr lang="en-US" altLang="zh-CN" sz="1400" i="1">
+                                          <a:latin typeface="Cambria Math" panose="02040503050406030204" charset="0"/>
+                                          <a:cs typeface="Cambria Math" panose="02040503050406030204" charset="0"/>
+                                        </a:rPr>
+                                      </m:ctrlPr>
+                                    </m:sSubPr>
+                                    <m:e>
+                                      <m:r>
+                                        <a:rPr lang="en-US" altLang="zh-CN" sz="1400" i="1">
+                                          <a:latin typeface="Cambria Math" panose="02040503050406030204" charset="0"/>
+                                          <a:cs typeface="Cambria Math" panose="02040503050406030204" charset="0"/>
+                                        </a:rPr>
+                                        <m:t>𝐵</m:t>
+                                      </m:r>
+                                    </m:e>
+                                    <m:sub>
+                                      <m:r>
+                                        <a:rPr lang="en-US" altLang="zh-CN" sz="1400" i="1">
+                                          <a:latin typeface="Cambria Math" panose="02040503050406030204" charset="0"/>
+                                          <a:cs typeface="Cambria Math" panose="02040503050406030204" charset="0"/>
+                                        </a:rPr>
+                                        <m:t>𝑐</m:t>
+                                      </m:r>
+                                    </m:sub>
+                                  </m:sSub>
+                                  <m:sSub>
+                                    <m:sSubPr>
+                                      <m:ctrlPr>
+                                        <a:rPr lang="en-US" altLang="zh-CN" sz="1400" i="1">
+                                          <a:latin typeface="Cambria Math" panose="02040503050406030204" charset="0"/>
+                                          <a:cs typeface="Cambria Math" panose="02040503050406030204" charset="0"/>
+                                        </a:rPr>
+                                      </m:ctrlPr>
+                                    </m:sSubPr>
+                                    <m:e>
+                                      <m:r>
+                                        <a:rPr lang="en-US" altLang="zh-CN" sz="1400" i="1">
+                                          <a:latin typeface="Cambria Math" panose="02040503050406030204" charset="0"/>
+                                          <a:cs typeface="Cambria Math" panose="02040503050406030204" charset="0"/>
+                                        </a:rPr>
+                                        <m:t>𝑝</m:t>
+                                      </m:r>
+                                    </m:e>
+                                    <m:sub>
+                                      <m:r>
+                                        <a:rPr lang="en-US" altLang="zh-CN" sz="1400" i="1">
+                                          <a:latin typeface="Cambria Math" panose="02040503050406030204" charset="0"/>
+                                          <a:cs typeface="Cambria Math" panose="02040503050406030204" charset="0"/>
+                                        </a:rPr>
+                                        <m:t>𝑐</m:t>
+                                      </m:r>
+                                    </m:sub>
+                                  </m:sSub>
+                                </m:e>
+                              </m:d>
+                            </m:e>
+                            <m:sup>
+                              <m:r>
+                                <a:rPr lang="en-US" altLang="zh-CN" sz="1400" i="1">
+                                  <a:latin typeface="Cambria Math" panose="02040503050406030204" charset="0"/>
+                                  <a:cs typeface="Cambria Math" panose="02040503050406030204" charset="0"/>
+                                </a:rPr>
+                                <m:t>2</m:t>
+                              </m:r>
+                            </m:sup>
+                          </m:sSup>
+                        </m:e>
+                      </m:nary>
+                      <m:r>
+                        <a:rPr lang="en-US" altLang="zh-CN" sz="1400" i="1">
+                          <a:latin typeface="Cambria Math" panose="02040503050406030204" charset="0"/>
+                          <a:ea typeface="MS Mincho" charset="0"/>
+                          <a:cs typeface="Cambria Math" panose="02040503050406030204" charset="0"/>
+                        </a:rPr>
+                        <m:t>)</m:t>
+                      </m:r>
+                    </m:oMath>
+                  </m:oMathPara>
+                </a14:m>
+                <a:endParaRPr lang="en-US" altLang="zh-CN" sz="1400" i="1">
+                  <a:latin typeface="Cambria Math" panose="02040503050406030204" charset="0"/>
+                  <a:ea typeface="MS Mincho" charset="0"/>
+                  <a:cs typeface="Cambria Math" panose="02040503050406030204" charset="0"/>
+                </a:endParaRPr>
+              </a:p>
+            </p:txBody>
+          </p:sp>
+        </mc:Choice>
+        <mc:Fallback>
+          <p:sp>
+            <p:nvSpPr>
+              <p:cNvPr id="35" name="文本框 34"/>
+              <p:cNvSpPr txBox="1">
+                <a:spLocks noRot="1" noChangeAspect="1" noMove="1" noResize="1" noEditPoints="1" noAdjustHandles="1" noChangeArrowheads="1" noChangeShapeType="1" noTextEdit="1"/>
+              </p:cNvSpPr>
+              <p:nvPr/>
+            </p:nvSpPr>
+            <p:spPr>
+              <a:xfrm>
+                <a:off x="4380230" y="4505325"/>
+                <a:ext cx="2800985" cy="893445"/>
+              </a:xfrm>
+              <a:prstGeom prst="rect">
+                <a:avLst/>
+              </a:prstGeom>
+              <a:blipFill rotWithShape="1">
+                <a:blip r:embed="rId7"/>
+                <a:stretch>
+                  <a:fillRect l="-181" t="-569" r="-159" b="-498"/>
+                </a:stretch>
+              </a:blipFill>
+              <a:ln>
+                <a:solidFill>
+                  <a:schemeClr val="accent1"/>
+                </a:solidFill>
+              </a:ln>
+            </p:spPr>
+            <p:txBody>
+              <a:bodyPr/>
+              <a:lstStyle/>
+              <a:p>
+                <a:r>
+                  <a:rPr lang="zh-CN" altLang="en-US">
+                    <a:noFill/>
+                  </a:rPr>
+                  <a:t> </a:t>
+                </a:r>
+              </a:p>
+            </p:txBody>
+          </p:sp>
+        </mc:Fallback>
+      </mc:AlternateContent>
+      <p:cxnSp>
+        <p:nvCxnSpPr>
+          <p:cNvPr id="36" name="直接箭头连接符 35"/>
+          <p:cNvCxnSpPr>
+            <a:stCxn id="20" idx="1"/>
+          </p:cNvCxnSpPr>
+          <p:nvPr/>
+        </p:nvCxnSpPr>
+        <p:spPr>
+          <a:xfrm flipH="1" flipV="1">
+            <a:off x="4245610" y="5575935"/>
+            <a:ext cx="3150235" cy="6985"/>
+          </a:xfrm>
+          <a:prstGeom prst="straightConnector1">
+            <a:avLst/>
+          </a:prstGeom>
+          <a:ln>
+            <a:tailEnd type="arrow"/>
+          </a:ln>
+        </p:spPr>
+        <p:style>
+          <a:lnRef idx="2">
+            <a:schemeClr val="accent1"/>
+          </a:lnRef>
+          <a:fillRef idx="0">
+            <a:srgbClr val="FFFFFF"/>
+          </a:fillRef>
+          <a:effectRef idx="0">
+            <a:srgbClr val="FFFFFF"/>
+          </a:effectRef>
+          <a:fontRef idx="minor">
+            <a:schemeClr val="tx1"/>
+          </a:fontRef>
+        </p:style>
+      </p:cxnSp>
+      <p:sp>
+        <p:nvSpPr>
+          <p:cNvPr id="38" name="文本框 37"/>
+          <p:cNvSpPr txBox="1"/>
+          <p:nvPr/>
+        </p:nvSpPr>
+        <p:spPr>
+          <a:xfrm>
+            <a:off x="7018020" y="3688080"/>
+            <a:ext cx="2729865" cy="329565"/>
+          </a:xfrm>
+          <a:prstGeom prst="rect">
+            <a:avLst/>
+          </a:prstGeom>
+          <a:noFill/>
+        </p:spPr>
+        <p:txBody>
+          <a:bodyPr wrap="square" rtlCol="0">
+            <a:noAutofit/>
+          </a:bodyPr>
+          <a:p>
+            <a:r>
+              <a:rPr lang="en-US" altLang="zh-CN" sz="1400"/>
+              <a:t>smooth</a:t>
+            </a:r>
+            <a:r>
+              <a:rPr lang="zh-CN" altLang="en-US" sz="1400"/>
+              <a:t>，作为细网格迭代初始值</a:t>
+            </a:r>
+            <a:endParaRPr lang="zh-CN" altLang="en-US" sz="1400"/>
+          </a:p>
+        </p:txBody>
+      </p:sp>
+      <p:cxnSp>
+        <p:nvCxnSpPr>
+          <p:cNvPr id="40" name="肘形连接符 39"/>
+          <p:cNvCxnSpPr/>
+          <p:nvPr/>
+        </p:nvCxnSpPr>
+        <p:spPr>
+          <a:xfrm rot="10800000">
+            <a:off x="2607945" y="1158875"/>
+            <a:ext cx="20955" cy="4352290"/>
+          </a:xfrm>
+          <a:prstGeom prst="bentConnector3">
+            <a:avLst>
+              <a:gd name="adj1" fmla="val 1845454"/>
+            </a:avLst>
+          </a:prstGeom>
+          <a:ln w="19050">
+            <a:solidFill>
+              <a:schemeClr val="tx1"/>
+            </a:solidFill>
+            <a:tailEnd type="arrow"/>
+          </a:ln>
+        </p:spPr>
+        <p:style>
+          <a:lnRef idx="2">
+            <a:schemeClr val="accent1"/>
+          </a:lnRef>
+          <a:fillRef idx="0">
+            <a:srgbClr val="FFFFFF"/>
+          </a:fillRef>
+          <a:effectRef idx="0">
+            <a:srgbClr val="FFFFFF"/>
+          </a:effectRef>
+          <a:fontRef idx="minor">
+            <a:schemeClr val="tx1"/>
+          </a:fontRef>
+        </p:style>
+      </p:cxnSp>
+      <p:sp>
+        <p:nvSpPr>
+          <p:cNvPr id="41" name="文本框 40"/>
+          <p:cNvSpPr txBox="1"/>
+          <p:nvPr/>
+        </p:nvSpPr>
+        <p:spPr>
+          <a:xfrm>
+            <a:off x="2293620" y="3658870"/>
+            <a:ext cx="2815590" cy="329565"/>
+          </a:xfrm>
+          <a:prstGeom prst="rect">
+            <a:avLst/>
+          </a:prstGeom>
+          <a:noFill/>
+        </p:spPr>
+        <p:txBody>
+          <a:bodyPr wrap="square" rtlCol="0">
+            <a:noAutofit/>
+          </a:bodyPr>
+          <a:p>
+            <a:r>
+              <a:rPr lang="en-US" altLang="zh-CN" sz="1400"/>
+              <a:t>restrict</a:t>
+            </a:r>
+            <a:r>
+              <a:rPr lang="zh-CN" altLang="en-US" sz="1400"/>
+              <a:t>，重新计算绑定系数</a:t>
+            </a:r>
+            <a:endParaRPr lang="zh-CN" altLang="en-US" sz="1400"/>
+          </a:p>
+        </p:txBody>
+      </p:sp>
+      <p:sp>
+        <p:nvSpPr>
+          <p:cNvPr id="42" name="文本框 41"/>
+          <p:cNvSpPr txBox="1"/>
+          <p:nvPr/>
+        </p:nvSpPr>
+        <p:spPr>
+          <a:xfrm>
+            <a:off x="765810" y="5269230"/>
+            <a:ext cx="912495" cy="368300"/>
+          </a:xfrm>
+          <a:prstGeom prst="rect">
+            <a:avLst/>
+          </a:prstGeom>
+          <a:noFill/>
+        </p:spPr>
+        <p:txBody>
+          <a:bodyPr wrap="square" rtlCol="0">
+            <a:spAutoFit/>
+          </a:bodyPr>
+          <a:p>
+            <a:r>
+              <a:rPr lang="zh-CN" altLang="en-US"/>
+              <a:t>细网格</a:t>
+            </a:r>
+            <a:endParaRPr lang="zh-CN" altLang="en-US"/>
+          </a:p>
+        </p:txBody>
+      </p:sp>
+      <p:sp>
+        <p:nvSpPr>
+          <p:cNvPr id="43" name="文本框 42"/>
+          <p:cNvSpPr txBox="1"/>
+          <p:nvPr/>
+        </p:nvSpPr>
+        <p:spPr>
+          <a:xfrm>
+            <a:off x="3544570" y="2268220"/>
+            <a:ext cx="938530" cy="306705"/>
+          </a:xfrm>
+          <a:prstGeom prst="rect">
+            <a:avLst/>
+          </a:prstGeom>
+          <a:noFill/>
+        </p:spPr>
+        <p:txBody>
+          <a:bodyPr wrap="square" rtlCol="0">
+            <a:spAutoFit/>
+          </a:bodyPr>
+          <a:p>
+            <a:r>
+              <a:rPr lang="zh-CN" altLang="en-US" sz="1400"/>
+              <a:t>位置预测</a:t>
+            </a:r>
+            <a:endParaRPr lang="zh-CN" altLang="en-US" sz="1400"/>
+          </a:p>
+        </p:txBody>
+      </p:sp>
+      <p:sp>
+        <p:nvSpPr>
+          <p:cNvPr id="44" name="文本框 43"/>
+          <p:cNvSpPr txBox="1"/>
+          <p:nvPr/>
+        </p:nvSpPr>
+        <p:spPr>
+          <a:xfrm>
+            <a:off x="6502400" y="2086610"/>
+            <a:ext cx="916940" cy="306705"/>
+          </a:xfrm>
+          <a:prstGeom prst="rect">
+            <a:avLst/>
+          </a:prstGeom>
+          <a:noFill/>
+        </p:spPr>
+        <p:txBody>
+          <a:bodyPr wrap="square" rtlCol="0">
+            <a:spAutoFit/>
+          </a:bodyPr>
+          <a:p>
+            <a:r>
+              <a:rPr lang="zh-CN" altLang="en-US" sz="1400"/>
+              <a:t>投影迭代</a:t>
+            </a:r>
+            <a:endParaRPr lang="zh-CN" altLang="en-US" sz="1400"/>
+          </a:p>
+        </p:txBody>
+      </p:sp>
+      <p:sp>
+        <p:nvSpPr>
+          <p:cNvPr id="45" name="文本框 44"/>
+          <p:cNvSpPr txBox="1"/>
+          <p:nvPr/>
+        </p:nvSpPr>
+        <p:spPr>
+          <a:xfrm>
+            <a:off x="5321935" y="5637530"/>
+            <a:ext cx="916940" cy="306705"/>
+          </a:xfrm>
+          <a:prstGeom prst="rect">
+            <a:avLst/>
+          </a:prstGeom>
+          <a:noFill/>
+        </p:spPr>
+        <p:txBody>
+          <a:bodyPr wrap="square" rtlCol="0">
+            <a:spAutoFit/>
+          </a:bodyPr>
+          <a:p>
+            <a:r>
+              <a:rPr lang="zh-CN" altLang="en-US" sz="1400"/>
+              <a:t>投影迭代</a:t>
+            </a:r>
+            <a:endParaRPr lang="zh-CN" altLang="en-US" sz="1400"/>
+          </a:p>
+        </p:txBody>
+      </p:sp>
+    </p:spTree>
+  </p:cSld>
+  <p:clrMapOvr>
+    <a:masterClrMapping/>
+  </p:clrMapOvr>
+</p:sld>
+</file>
+
+<file path=ppt/slides/slide4.xml><?xml version="1.0" encoding="utf-8"?>
+<p:sld xmlns:a="http://schemas.openxmlformats.org/drawingml/2006/main" xmlns:r="http://schemas.openxmlformats.org/officeDocument/2006/relationships" xmlns:p="http://schemas.openxmlformats.org/presentationml/2006/main">
+  <p:cSld>
+    <p:spTree>
+      <p:nvGrpSpPr>
+        <p:cNvPr id="1" name=""/>
+        <p:cNvGrpSpPr/>
+        <p:nvPr/>
+      </p:nvGrpSpPr>
+      <p:grpSpPr/>
       <p:graphicFrame>
         <p:nvGraphicFramePr>
           <p:cNvPr id="4" name="图表 3"/>
@@ -22681,7 +24730,7 @@
 </p:sld>
 </file>
 
-<file path=ppt/slides/slide4.xml><?xml version="1.0" encoding="utf-8"?>
+<file path=ppt/slides/slide5.xml><?xml version="1.0" encoding="utf-8"?>
 <p:sld xmlns:a="http://schemas.openxmlformats.org/drawingml/2006/main" xmlns:r="http://schemas.openxmlformats.org/officeDocument/2006/relationships" xmlns:p="http://schemas.openxmlformats.org/presentationml/2006/main">
   <p:cSld>
     <p:spTree>
@@ -22744,7 +24793,7 @@
 </p:sld>
 </file>
 
-<file path=ppt/slides/slide5.xml><?xml version="1.0" encoding="utf-8"?>
+<file path=ppt/slides/slide6.xml><?xml version="1.0" encoding="utf-8"?>
 <p:sld xmlns:a="http://schemas.openxmlformats.org/drawingml/2006/main" xmlns:r="http://schemas.openxmlformats.org/officeDocument/2006/relationships" xmlns:p="http://schemas.openxmlformats.org/presentationml/2006/main">
   <p:cSld>
     <p:spTree>
@@ -22807,7 +24856,7 @@
 </p:sld>
 </file>
 
-<file path=ppt/slides/slide6.xml><?xml version="1.0" encoding="utf-8"?>
+<file path=ppt/slides/slide7.xml><?xml version="1.0" encoding="utf-8"?>
 <p:sld xmlns:a="http://schemas.openxmlformats.org/drawingml/2006/main" xmlns:r="http://schemas.openxmlformats.org/officeDocument/2006/relationships" xmlns:p="http://schemas.openxmlformats.org/presentationml/2006/main">
   <p:cSld>
     <p:spTree>
